--- a/Kafka@SSC.pptx
+++ b/Kafka@SSC.pptx
@@ -7377,7 +7377,7 @@
         <p:spPr/>
         <p:txBody>
           <a:bodyPr>
-            <a:normAutofit lnSpcReduction="10000"/>
+            <a:normAutofit/>
           </a:bodyPr>
           <a:lstStyle/>
           <a:p>
@@ -7390,68 +7390,6 @@
             <a:r>
               <a:rPr lang="en-US" dirty="0"/>
               <a:t>Users and Consumer Groups</a:t>
-            </a:r>
-          </a:p>
-          <a:p>
-            <a:r>
-              <a:rPr lang="en-US" dirty="0"/>
-              <a:t>Review current state and future needs of </a:t>
-            </a:r>
-            <a:r>
-              <a:rPr lang="en-US" dirty="0" err="1"/>
-              <a:t>Kafka@WSI</a:t>
-            </a:r>
-            <a:r>
-              <a:rPr lang="en-US" dirty="0"/>
-              <a:t>:</a:t>
-            </a:r>
-          </a:p>
-          <a:p>
-            <a:pPr lvl="1"/>
-            <a:r>
-              <a:rPr lang="en-US" dirty="0"/>
-              <a:t>Collaboration with Confluent to review Kafka usage at WSI.</a:t>
-            </a:r>
-          </a:p>
-          <a:p>
-            <a:r>
-              <a:rPr lang="en-US" dirty="0"/>
-              <a:t>Goals:</a:t>
-            </a:r>
-          </a:p>
-          <a:p>
-            <a:pPr lvl="1"/>
-            <a:r>
-              <a:rPr lang="en-US" dirty="0"/>
-              <a:t>Training on new Kafka/Confluent features</a:t>
-            </a:r>
-          </a:p>
-          <a:p>
-            <a:pPr lvl="1"/>
-            <a:r>
-              <a:rPr lang="en-US" dirty="0"/>
-              <a:t>Review of current Kafka use-cases, configurations, deployment and pain points </a:t>
-            </a:r>
-          </a:p>
-          <a:p>
-            <a:pPr lvl="1"/>
-            <a:r>
-              <a:rPr lang="en-US" dirty="0"/>
-              <a:t>Identify gaps and risks</a:t>
-            </a:r>
-          </a:p>
-          <a:p>
-            <a:pPr lvl="1"/>
-            <a:r>
-              <a:rPr lang="en-US" dirty="0"/>
-              <a:t>Hands on evaluation of Confluent Enterprise features for WSI use-cases</a:t>
-            </a:r>
-          </a:p>
-          <a:p>
-            <a:pPr lvl="1"/>
-            <a:r>
-              <a:rPr lang="en-US" dirty="0"/>
-              <a:t>Gather technical data backed by hands on experience to help decide on Confluent Enterprise licensing</a:t>
             </a:r>
           </a:p>
         </p:txBody>
@@ -8096,7 +8034,11 @@
               <a:rPr lang="en-US" dirty="0"/>
             </a:br>
             <a:r>
-              <a:rPr lang="en-US" sz="1800" dirty="0"/>
+              <a:rPr lang="en-US" sz="1800" dirty="0">
+                <a:solidFill>
+                  <a:schemeClr val="tx1"/>
+                </a:solidFill>
+              </a:rPr>
               <a:t>Bridging is not required for this. Kafka will not replicate the messages to another region for this pattern. This will be referred as a local topic</a:t>
             </a:r>
             <a:br>
@@ -8108,10 +8050,10 @@
       </p:sp>
       <p:pic>
         <p:nvPicPr>
-          <p:cNvPr id="5" name="Picture 4" descr="Diagram&#10;&#10;Description automatically generated">
+          <p:cNvPr id="15" name="Picture 14" descr="Diagram&#10;&#10;Description automatically generated">
             <a:extLst>
               <a:ext uri="{FF2B5EF4-FFF2-40B4-BE49-F238E27FC236}">
-                <a16:creationId xmlns:a16="http://schemas.microsoft.com/office/drawing/2014/main" id="{53E2EDD0-9E43-2675-ECF0-0C7ABAB745E4}"/>
+                <a16:creationId xmlns:a16="http://schemas.microsoft.com/office/drawing/2014/main" id="{B98F6B86-8592-DBBD-EA8C-62A2C2605763}"/>
               </a:ext>
             </a:extLst>
           </p:cNvPr>
@@ -8134,8 +8076,8 @@
         </p:blipFill>
         <p:spPr>
           <a:xfrm>
-            <a:off x="4819787" y="1266540"/>
-            <a:ext cx="4539769" cy="3095297"/>
+            <a:off x="3823400" y="430356"/>
+            <a:ext cx="5588000" cy="4228327"/>
           </a:xfrm>
           <a:prstGeom prst="rect">
             <a:avLst/>
